--- a/helpsessions/week9/week9_html.pptx
+++ b/helpsessions/week9/week9_html.pptx
@@ -2955,7 +2955,7 @@
           <a:p>
             <a:fld id="{4D7E51A5-B478-1E40-8CBB-0DAA8831E99D}" type="datetimeFigureOut">
               <a:rPr lang="en-US" smtClean="0"/>
-              <a:t>10/19/20</a:t>
+              <a:t>3/17/2021</a:t>
             </a:fld>
             <a:endParaRPr lang="en-US"/>
           </a:p>
@@ -3120,7 +3120,7 @@
           <a:p>
             <a:fld id="{D0ED587F-861E-6740-9643-E3DDAE89B8D6}" type="datetimeFigureOut">
               <a:rPr lang="en-US" smtClean="0"/>
-              <a:t>10/19/20</a:t>
+              <a:t>3/17/2021</a:t>
             </a:fld>
             <a:endParaRPr lang="en-US"/>
           </a:p>
@@ -9422,8 +9422,13 @@
           <a:p>
             <a:r>
               <a:rPr lang="en-US" dirty="0"/>
-              <a:t>Discussion question: What is your favorite website? What makes it your favorite? Think about the colors, layout, structure and more what you find about it. </a:t>
-            </a:r>
+              <a:t>Discussion question: What is your favorite website? What makes it your favorite? Think about the colors, layout, structure and </a:t>
+            </a:r>
+            <a:r>
+              <a:rPr lang="en-US"/>
+              <a:t>its intuitiveness. </a:t>
+            </a:r>
+            <a:endParaRPr lang="en-US" dirty="0"/>
           </a:p>
         </p:txBody>
       </p:sp>
